--- a/ex/552/lectures/05-scheduling.pptx
+++ b/ex/552/lectures/05-scheduling.pptx
@@ -231,7 +231,7 @@
           <a:p>
             <a:fld id="{4F542666-03D5-5341-A833-B4D3FAA577B7}" type="datetimeFigureOut">
               <a:rPr lang="en-US" smtClean="0"/>
-              <a:t>9/18/18</a:t>
+              <a:t>9/19/18</a:t>
             </a:fld>
             <a:endParaRPr lang="en-US"/>
           </a:p>
@@ -627,7 +627,7 @@
           <a:p>
             <a:fld id="{DCCCB3B3-0381-6043-97A3-E72CD5022D9A}" type="datetimeFigureOut">
               <a:rPr lang="en-US" smtClean="0"/>
-              <a:t>9/18/18</a:t>
+              <a:t>9/19/18</a:t>
             </a:fld>
             <a:endParaRPr lang="en-US"/>
           </a:p>
@@ -795,7 +795,7 @@
           <a:p>
             <a:fld id="{DCCCB3B3-0381-6043-97A3-E72CD5022D9A}" type="datetimeFigureOut">
               <a:rPr lang="en-US" smtClean="0"/>
-              <a:t>9/18/18</a:t>
+              <a:t>9/19/18</a:t>
             </a:fld>
             <a:endParaRPr lang="en-US"/>
           </a:p>
@@ -973,7 +973,7 @@
           <a:p>
             <a:fld id="{DCCCB3B3-0381-6043-97A3-E72CD5022D9A}" type="datetimeFigureOut">
               <a:rPr lang="en-US" smtClean="0"/>
-              <a:t>9/18/18</a:t>
+              <a:t>9/19/18</a:t>
             </a:fld>
             <a:endParaRPr lang="en-US"/>
           </a:p>
@@ -1141,7 +1141,7 @@
           <a:p>
             <a:fld id="{DCCCB3B3-0381-6043-97A3-E72CD5022D9A}" type="datetimeFigureOut">
               <a:rPr lang="en-US" smtClean="0"/>
-              <a:t>9/18/18</a:t>
+              <a:t>9/19/18</a:t>
             </a:fld>
             <a:endParaRPr lang="en-US"/>
           </a:p>
@@ -1384,7 +1384,7 @@
           <a:p>
             <a:fld id="{DCCCB3B3-0381-6043-97A3-E72CD5022D9A}" type="datetimeFigureOut">
               <a:rPr lang="en-US" smtClean="0"/>
-              <a:t>9/18/18</a:t>
+              <a:t>9/19/18</a:t>
             </a:fld>
             <a:endParaRPr lang="en-US"/>
           </a:p>
@@ -1613,7 +1613,7 @@
           <a:p>
             <a:fld id="{DCCCB3B3-0381-6043-97A3-E72CD5022D9A}" type="datetimeFigureOut">
               <a:rPr lang="en-US" smtClean="0"/>
-              <a:t>9/18/18</a:t>
+              <a:t>9/19/18</a:t>
             </a:fld>
             <a:endParaRPr lang="en-US"/>
           </a:p>
@@ -1977,7 +1977,7 @@
           <a:p>
             <a:fld id="{DCCCB3B3-0381-6043-97A3-E72CD5022D9A}" type="datetimeFigureOut">
               <a:rPr lang="en-US" smtClean="0"/>
-              <a:t>9/18/18</a:t>
+              <a:t>9/19/18</a:t>
             </a:fld>
             <a:endParaRPr lang="en-US"/>
           </a:p>
@@ -2094,7 +2094,7 @@
           <a:p>
             <a:fld id="{DCCCB3B3-0381-6043-97A3-E72CD5022D9A}" type="datetimeFigureOut">
               <a:rPr lang="en-US" smtClean="0"/>
-              <a:t>9/18/18</a:t>
+              <a:t>9/19/18</a:t>
             </a:fld>
             <a:endParaRPr lang="en-US"/>
           </a:p>
@@ -2189,7 +2189,7 @@
           <a:p>
             <a:fld id="{DCCCB3B3-0381-6043-97A3-E72CD5022D9A}" type="datetimeFigureOut">
               <a:rPr lang="en-US" smtClean="0"/>
-              <a:t>9/18/18</a:t>
+              <a:t>9/19/18</a:t>
             </a:fld>
             <a:endParaRPr lang="en-US"/>
           </a:p>
@@ -2464,7 +2464,7 @@
           <a:p>
             <a:fld id="{DCCCB3B3-0381-6043-97A3-E72CD5022D9A}" type="datetimeFigureOut">
               <a:rPr lang="en-US" smtClean="0"/>
-              <a:t>9/18/18</a:t>
+              <a:t>9/19/18</a:t>
             </a:fld>
             <a:endParaRPr lang="en-US"/>
           </a:p>
@@ -2716,7 +2716,7 @@
           <a:p>
             <a:fld id="{DCCCB3B3-0381-6043-97A3-E72CD5022D9A}" type="datetimeFigureOut">
               <a:rPr lang="en-US" smtClean="0"/>
-              <a:t>9/18/18</a:t>
+              <a:t>9/19/18</a:t>
             </a:fld>
             <a:endParaRPr lang="en-US"/>
           </a:p>
@@ -2927,7 +2927,7 @@
           <a:p>
             <a:fld id="{DCCCB3B3-0381-6043-97A3-E72CD5022D9A}" type="datetimeFigureOut">
               <a:rPr lang="en-US" smtClean="0"/>
-              <a:t>9/18/18</a:t>
+              <a:t>9/19/18</a:t>
             </a:fld>
             <a:endParaRPr lang="en-US"/>
           </a:p>
@@ -3394,13 +3394,8 @@
           <a:p>
             <a:r>
               <a:rPr lang="en-US" dirty="0" smtClean="0"/>
-              <a:t>Office hours </a:t>
-            </a:r>
-            <a:r>
-              <a:rPr lang="en-US" dirty="0" smtClean="0"/>
-              <a:t>on Thursdays 10—12</a:t>
-            </a:r>
-            <a:endParaRPr lang="en-US" dirty="0" smtClean="0"/>
+              <a:t>Office hours on Thursdays 10—12</a:t>
+            </a:r>
           </a:p>
           <a:p>
             <a:endParaRPr lang="en-US" dirty="0"/>
@@ -3413,6 +3408,22 @@
             <a:r>
               <a:rPr lang="en-US" dirty="0" smtClean="0"/>
               <a:t>lecture</a:t>
+            </a:r>
+          </a:p>
+          <a:p>
+            <a:endParaRPr lang="en-US" dirty="0"/>
+          </a:p>
+          <a:p>
+            <a:r>
+              <a:rPr lang="en-US" dirty="0" smtClean="0"/>
+              <a:t>Guest lectures next week by Prof. Richard Martin</a:t>
+            </a:r>
+          </a:p>
+          <a:p>
+            <a:pPr lvl="1"/>
+            <a:r>
+              <a:rPr lang="en-US" dirty="0" smtClean="0"/>
+              <a:t>Class slides by 10 mins (starts at 8.50 am) on both days</a:t>
             </a:r>
             <a:endParaRPr lang="en-US" dirty="0" smtClean="0"/>
           </a:p>
@@ -4668,7 +4679,7 @@
           <a:effectLst/>
           <a:extLst>
             <a:ext uri="{909E8E84-426E-40dd-AFC4-6F175D3DCCD1}">
-              <a14:hiddenFill xmlns:a14="http://schemas.microsoft.com/office/drawing/2010/main" xmlns="">
+              <a14:hiddenFill xmlns="" xmlns:a14="http://schemas.microsoft.com/office/drawing/2010/main">
                 <a:blipFill dpi="0" rotWithShape="0">
                   <a:blip/>
                   <a:srcRect/>
@@ -4679,7 +4690,7 @@
               </a14:hiddenFill>
             </a:ext>
             <a:ext uri="{91240B29-F687-4f45-9708-019B960494DF}">
-              <a14:hiddenLine xmlns:a14="http://schemas.microsoft.com/office/drawing/2010/main" xmlns="" w="9525">
+              <a14:hiddenLine xmlns="" xmlns:a14="http://schemas.microsoft.com/office/drawing/2010/main" w="9525">
                 <a:solidFill>
                   <a:srgbClr val="000000"/>
                 </a:solidFill>
@@ -4689,7 +4700,7 @@
               </a14:hiddenLine>
             </a:ext>
             <a:ext uri="{AF507438-7753-43e0-B8FC-AC1667EBCBE1}">
-              <a14:hiddenEffects xmlns:a14="http://schemas.microsoft.com/office/drawing/2010/main" xmlns="">
+              <a14:hiddenEffects xmlns="" xmlns:a14="http://schemas.microsoft.com/office/drawing/2010/main">
                 <a:effectLst>
                   <a:outerShdw blurRad="63500" dist="38099" dir="2700000" algn="ctr" rotWithShape="0">
                     <a:srgbClr val="000000">
@@ -11258,23 +11269,7 @@
                   <a:schemeClr val="tx1"/>
                 </a:solidFill>
               </a:rPr>
-              <a:t>Lecture </a:t>
-            </a:r>
-            <a:r>
-              <a:rPr lang="en-US" dirty="0" smtClean="0">
-                <a:solidFill>
-                  <a:schemeClr val="tx1"/>
-                </a:solidFill>
-              </a:rPr>
-              <a:t>5, </a:t>
-            </a:r>
-            <a:r>
-              <a:rPr lang="en-US" dirty="0" smtClean="0">
-                <a:solidFill>
-                  <a:schemeClr val="tx1"/>
-                </a:solidFill>
-              </a:rPr>
-              <a:t>Computer Networks (198:552)</a:t>
+              <a:t>Lecture 5, Computer Networks (198:552)</a:t>
             </a:r>
           </a:p>
         </p:txBody>
@@ -15302,15 +15297,7 @@
           <a:p>
             <a:r>
               <a:rPr lang="en-US" dirty="0" smtClean="0"/>
-              <a:t>Edge</a:t>
-            </a:r>
-            <a:r>
-              <a:rPr lang="en-US" dirty="0" smtClean="0"/>
-              <a:t>: </a:t>
-            </a:r>
-            <a:r>
-              <a:rPr lang="en-US" dirty="0" smtClean="0"/>
-              <a:t>Run transports to provide app guarantees</a:t>
+              <a:t>Edge: Run transports to provide app guarantees</a:t>
             </a:r>
           </a:p>
           <a:p>
@@ -16575,13 +16562,8 @@
           <a:p>
             <a:r>
               <a:rPr lang="en-US" dirty="0" smtClean="0"/>
-              <a:t>Office hours </a:t>
-            </a:r>
-            <a:r>
-              <a:rPr lang="en-US" dirty="0" smtClean="0"/>
-              <a:t>on Thursdays 10—12</a:t>
-            </a:r>
-            <a:endParaRPr lang="en-US" dirty="0" smtClean="0"/>
+              <a:t>Office hours on Thursdays 10—12</a:t>
+            </a:r>
           </a:p>
           <a:p>
             <a:endParaRPr lang="en-US" dirty="0"/>
@@ -16595,7 +16577,31 @@
               <a:rPr lang="en-US" dirty="0" smtClean="0"/>
               <a:t>lecture</a:t>
             </a:r>
-            <a:endParaRPr lang="en-US" dirty="0" smtClean="0"/>
+          </a:p>
+          <a:p>
+            <a:endParaRPr lang="en-US" dirty="0"/>
+          </a:p>
+          <a:p>
+            <a:r>
+              <a:rPr lang="en-US" dirty="0"/>
+              <a:t>Guest lectures next week by Prof. Richard Martin</a:t>
+            </a:r>
+          </a:p>
+          <a:p>
+            <a:pPr lvl="1"/>
+            <a:r>
+              <a:rPr lang="en-US"/>
+              <a:t>Class slides by 10 mins (starts at 8.50 am) on </a:t>
+            </a:r>
+            <a:r>
+              <a:rPr lang="en-US"/>
+              <a:t>both </a:t>
+            </a:r>
+            <a:r>
+              <a:rPr lang="en-US" smtClean="0"/>
+              <a:t>days</a:t>
+            </a:r>
+            <a:endParaRPr lang="en-US"/>
           </a:p>
         </p:txBody>
       </p:sp>
@@ -16690,7 +16696,6 @@
               <a:rPr lang="en-US" dirty="0" smtClean="0"/>
               <a:t>But what about malicious or buggy endpoints?</a:t>
             </a:r>
-            <a:endParaRPr lang="en-US" dirty="0" smtClean="0"/>
           </a:p>
         </p:txBody>
       </p:sp>
@@ -17378,7 +17383,7 @@
           <a:effectLst/>
           <a:extLst>
             <a:ext uri="{909E8E84-426E-40dd-AFC4-6F175D3DCCD1}">
-              <a14:hiddenFill xmlns:a14="http://schemas.microsoft.com/office/drawing/2010/main" xmlns="">
+              <a14:hiddenFill xmlns="" xmlns:a14="http://schemas.microsoft.com/office/drawing/2010/main">
                 <a:blipFill dpi="0" rotWithShape="0">
                   <a:blip/>
                   <a:srcRect/>
@@ -17389,7 +17394,7 @@
               </a14:hiddenFill>
             </a:ext>
             <a:ext uri="{91240B29-F687-4f45-9708-019B960494DF}">
-              <a14:hiddenLine xmlns:a14="http://schemas.microsoft.com/office/drawing/2010/main" xmlns="" w="9525">
+              <a14:hiddenLine xmlns="" xmlns:a14="http://schemas.microsoft.com/office/drawing/2010/main" w="9525">
                 <a:solidFill>
                   <a:srgbClr val="000000"/>
                 </a:solidFill>
@@ -17399,7 +17404,7 @@
               </a14:hiddenLine>
             </a:ext>
             <a:ext uri="{AF507438-7753-43e0-B8FC-AC1667EBCBE1}">
-              <a14:hiddenEffects xmlns:a14="http://schemas.microsoft.com/office/drawing/2010/main" xmlns="">
+              <a14:hiddenEffects xmlns="" xmlns:a14="http://schemas.microsoft.com/office/drawing/2010/main">
                 <a:effectLst>
                   <a:outerShdw blurRad="63500" dist="38099" dir="2700000" algn="ctr" rotWithShape="0">
                     <a:srgbClr val="000000">
@@ -17668,7 +17673,7 @@
           <a:effectLst/>
           <a:extLst>
             <a:ext uri="{909E8E84-426E-40dd-AFC4-6F175D3DCCD1}">
-              <a14:hiddenFill xmlns:a14="http://schemas.microsoft.com/office/drawing/2010/main" xmlns="">
+              <a14:hiddenFill xmlns="" xmlns:a14="http://schemas.microsoft.com/office/drawing/2010/main">
                 <a:blipFill dpi="0" rotWithShape="0">
                   <a:blip/>
                   <a:srcRect/>
@@ -17679,7 +17684,7 @@
               </a14:hiddenFill>
             </a:ext>
             <a:ext uri="{91240B29-F687-4f45-9708-019B960494DF}">
-              <a14:hiddenLine xmlns:a14="http://schemas.microsoft.com/office/drawing/2010/main" xmlns="" w="9525">
+              <a14:hiddenLine xmlns="" xmlns:a14="http://schemas.microsoft.com/office/drawing/2010/main" w="9525">
                 <a:solidFill>
                   <a:srgbClr val="000000"/>
                 </a:solidFill>
@@ -17689,7 +17694,7 @@
               </a14:hiddenLine>
             </a:ext>
             <a:ext uri="{AF507438-7753-43e0-B8FC-AC1667EBCBE1}">
-              <a14:hiddenEffects xmlns:a14="http://schemas.microsoft.com/office/drawing/2010/main" xmlns="">
+              <a14:hiddenEffects xmlns="" xmlns:a14="http://schemas.microsoft.com/office/drawing/2010/main">
                 <a:effectLst>
                   <a:outerShdw blurRad="63500" dist="38099" dir="2700000" algn="ctr" rotWithShape="0">
                     <a:srgbClr val="000000">
@@ -18267,21 +18272,8 @@
                 <a:ea typeface="Helvetica" charset="0"/>
                 <a:cs typeface="Helvetica" charset="0"/>
               </a:rPr>
-              <a:t>Link </a:t>
-            </a:r>
-            <a:r>
-              <a:rPr lang="en-US" sz="2600" dirty="0" smtClean="0">
-                <a:latin typeface="Helvetica" charset="0"/>
-                <a:ea typeface="Helvetica" charset="0"/>
-                <a:cs typeface="Helvetica" charset="0"/>
-              </a:rPr>
-              <a:t>rate</a:t>
-            </a:r>
-            <a:endParaRPr lang="en-US" sz="2600" dirty="0" smtClean="0">
-              <a:latin typeface="Helvetica" charset="0"/>
-              <a:ea typeface="Helvetica" charset="0"/>
-              <a:cs typeface="Helvetica" charset="0"/>
-            </a:endParaRPr>
+              <a:t>Link rate</a:t>
+            </a:r>
           </a:p>
         </p:txBody>
       </p:sp>
@@ -18993,11 +18985,6 @@
               </a:rPr>
               <a:t>2</a:t>
             </a:r>
-            <a:endParaRPr lang="en-US" sz="2400" dirty="0">
-              <a:latin typeface="Helvetica" charset="0"/>
-              <a:ea typeface="Helvetica" charset="0"/>
-              <a:cs typeface="Helvetica" charset="0"/>
-            </a:endParaRPr>
           </a:p>
         </p:txBody>
       </p:sp>
@@ -19461,7 +19448,7 @@
           <a:effectLst/>
           <a:extLst>
             <a:ext uri="{909E8E84-426E-40dd-AFC4-6F175D3DCCD1}">
-              <a14:hiddenFill xmlns:a14="http://schemas.microsoft.com/office/drawing/2010/main" xmlns="">
+              <a14:hiddenFill xmlns="" xmlns:a14="http://schemas.microsoft.com/office/drawing/2010/main">
                 <a:blipFill dpi="0" rotWithShape="0">
                   <a:blip/>
                   <a:srcRect/>
@@ -19472,7 +19459,7 @@
               </a14:hiddenFill>
             </a:ext>
             <a:ext uri="{91240B29-F687-4f45-9708-019B960494DF}">
-              <a14:hiddenLine xmlns:a14="http://schemas.microsoft.com/office/drawing/2010/main" xmlns="" w="9525">
+              <a14:hiddenLine xmlns="" xmlns:a14="http://schemas.microsoft.com/office/drawing/2010/main" w="9525">
                 <a:solidFill>
                   <a:srgbClr val="000000"/>
                 </a:solidFill>
@@ -19482,7 +19469,7 @@
               </a14:hiddenLine>
             </a:ext>
             <a:ext uri="{AF507438-7753-43e0-B8FC-AC1667EBCBE1}">
-              <a14:hiddenEffects xmlns:a14="http://schemas.microsoft.com/office/drawing/2010/main" xmlns="">
+              <a14:hiddenEffects xmlns="" xmlns:a14="http://schemas.microsoft.com/office/drawing/2010/main">
                 <a:effectLst>
                   <a:outerShdw blurRad="63500" dist="38099" dir="2700000" algn="ctr" rotWithShape="0">
                     <a:srgbClr val="000000">
@@ -20030,11 +20017,6 @@
                 </a:rPr>
                 <a:t>2</a:t>
               </a:r>
-              <a:endParaRPr lang="en-US" sz="2400" dirty="0">
-                <a:latin typeface="Helvetica" charset="0"/>
-                <a:ea typeface="Helvetica" charset="0"/>
-                <a:cs typeface="Helvetica" charset="0"/>
-              </a:endParaRPr>
             </a:p>
           </p:txBody>
         </p:sp>
@@ -20069,11 +20051,6 @@
               </a:rPr>
               <a:t>a</a:t>
             </a:r>
-            <a:endParaRPr lang="en-US" sz="2400" dirty="0">
-              <a:latin typeface="Helvetica" charset="0"/>
-              <a:ea typeface="Helvetica" charset="0"/>
-              <a:cs typeface="Helvetica" charset="0"/>
-            </a:endParaRPr>
           </a:p>
         </p:txBody>
       </p:sp>
@@ -20107,11 +20084,6 @@
               </a:rPr>
               <a:t>b</a:t>
             </a:r>
-            <a:endParaRPr lang="en-US" sz="2400" dirty="0">
-              <a:latin typeface="Helvetica" charset="0"/>
-              <a:ea typeface="Helvetica" charset="0"/>
-              <a:cs typeface="Helvetica" charset="0"/>
-            </a:endParaRPr>
           </a:p>
         </p:txBody>
       </p:sp>
@@ -20883,7 +20855,7 @@
           <a:effectLst/>
           <a:extLst>
             <a:ext uri="{909E8E84-426E-40dd-AFC4-6F175D3DCCD1}">
-              <a14:hiddenFill xmlns:a14="http://schemas.microsoft.com/office/drawing/2010/main" xmlns="">
+              <a14:hiddenFill xmlns="" xmlns:a14="http://schemas.microsoft.com/office/drawing/2010/main">
                 <a:blipFill dpi="0" rotWithShape="0">
                   <a:blip/>
                   <a:srcRect/>
@@ -20894,7 +20866,7 @@
               </a14:hiddenFill>
             </a:ext>
             <a:ext uri="{91240B29-F687-4f45-9708-019B960494DF}">
-              <a14:hiddenLine xmlns:a14="http://schemas.microsoft.com/office/drawing/2010/main" xmlns="" w="9525">
+              <a14:hiddenLine xmlns="" xmlns:a14="http://schemas.microsoft.com/office/drawing/2010/main" w="9525">
                 <a:solidFill>
                   <a:srgbClr val="000000"/>
                 </a:solidFill>
@@ -20904,7 +20876,7 @@
               </a14:hiddenLine>
             </a:ext>
             <a:ext uri="{AF507438-7753-43e0-B8FC-AC1667EBCBE1}">
-              <a14:hiddenEffects xmlns:a14="http://schemas.microsoft.com/office/drawing/2010/main" xmlns="">
+              <a14:hiddenEffects xmlns="" xmlns:a14="http://schemas.microsoft.com/office/drawing/2010/main">
                 <a:effectLst>
                   <a:outerShdw blurRad="63500" dist="38099" dir="2700000" algn="ctr" rotWithShape="0">
                     <a:srgbClr val="000000">
@@ -23366,7 +23338,7 @@
           <a:effectLst/>
           <a:extLst>
             <a:ext uri="{909E8E84-426E-40dd-AFC4-6F175D3DCCD1}">
-              <a14:hiddenFill xmlns:a14="http://schemas.microsoft.com/office/drawing/2010/main" xmlns="">
+              <a14:hiddenFill xmlns="" xmlns:a14="http://schemas.microsoft.com/office/drawing/2010/main">
                 <a:blipFill dpi="0" rotWithShape="0">
                   <a:blip/>
                   <a:srcRect/>
@@ -23377,7 +23349,7 @@
               </a14:hiddenFill>
             </a:ext>
             <a:ext uri="{91240B29-F687-4f45-9708-019B960494DF}">
-              <a14:hiddenLine xmlns:a14="http://schemas.microsoft.com/office/drawing/2010/main" xmlns="" w="9525">
+              <a14:hiddenLine xmlns="" xmlns:a14="http://schemas.microsoft.com/office/drawing/2010/main" w="9525">
                 <a:solidFill>
                   <a:srgbClr val="000000"/>
                 </a:solidFill>
@@ -23387,7 +23359,7 @@
               </a14:hiddenLine>
             </a:ext>
             <a:ext uri="{AF507438-7753-43e0-B8FC-AC1667EBCBE1}">
-              <a14:hiddenEffects xmlns:a14="http://schemas.microsoft.com/office/drawing/2010/main" xmlns="">
+              <a14:hiddenEffects xmlns="" xmlns:a14="http://schemas.microsoft.com/office/drawing/2010/main">
                 <a:effectLst>
                   <a:outerShdw blurRad="63500" dist="38099" dir="2700000" algn="ctr" rotWithShape="0">
                     <a:srgbClr val="000000">
